--- a/Team_6.pptx
+++ b/Team_6.pptx
@@ -5,7 +5,7 @@
     <p:sldMasterId id="2147483660" r:id="rId1"/>
   </p:sldMasterIdLst>
   <p:notesMasterIdLst>
-    <p:notesMasterId r:id="rId14"/>
+    <p:notesMasterId r:id="rId19"/>
   </p:notesMasterIdLst>
   <p:sldIdLst>
     <p:sldId id="256" r:id="rId2"/>
@@ -18,8 +18,13 @@
     <p:sldId id="263" r:id="rId9"/>
     <p:sldId id="264" r:id="rId10"/>
     <p:sldId id="265" r:id="rId11"/>
-    <p:sldId id="266" r:id="rId12"/>
-    <p:sldId id="267" r:id="rId13"/>
+    <p:sldId id="268" r:id="rId12"/>
+    <p:sldId id="269" r:id="rId13"/>
+    <p:sldId id="270" r:id="rId14"/>
+    <p:sldId id="266" r:id="rId15"/>
+    <p:sldId id="267" r:id="rId16"/>
+    <p:sldId id="271" r:id="rId17"/>
+    <p:sldId id="272" r:id="rId18"/>
   </p:sldIdLst>
   <p:sldSz cx="9144000" cy="5143500" type="screen16x9"/>
   <p:notesSz cx="6858000" cy="9144000"/>
@@ -791,7 +796,7 @@
   <p:cSld>
     <p:spTree>
       <p:nvGrpSpPr>
-        <p:cNvPr id="1" name="Shape 77"/>
+        <p:cNvPr id="1" name="Shape 116"/>
         <p:cNvGrpSpPr/>
         <p:nvPr/>
       </p:nvGrpSpPr>
@@ -805,7 +810,7 @@
       </p:grpSpPr>
       <p:sp>
         <p:nvSpPr>
-          <p:cNvPr id="78" name="Google Shape;78;g161228a8776_0_17:notes"/>
+          <p:cNvPr id="117" name="Google Shape;117;g161228a8776_0_59:notes"/>
           <p:cNvSpPr>
             <a:spLocks noGrp="1" noRot="1" noChangeAspect="1"/>
           </p:cNvSpPr>
@@ -846,7 +851,7 @@
       </p:sp>
       <p:sp>
         <p:nvSpPr>
-          <p:cNvPr id="79" name="Google Shape;79;g161228a8776_0_17:notes"/>
+          <p:cNvPr id="118" name="Google Shape;118;g161228a8776_0_59:notes"/>
           <p:cNvSpPr txBox="1">
             <a:spLocks noGrp="1"/>
           </p:cNvSpPr>
@@ -885,7 +890,7 @@
     </p:spTree>
     <p:extLst>
       <p:ext uri="{BB962C8B-B14F-4D97-AF65-F5344CB8AC3E}">
-        <p14:creationId xmlns:p14="http://schemas.microsoft.com/office/powerpoint/2010/main" val="3942604738"/>
+        <p14:creationId xmlns:p14="http://schemas.microsoft.com/office/powerpoint/2010/main" val="2597443754"/>
       </p:ext>
     </p:extLst>
   </p:cSld>
@@ -900,7 +905,7 @@
   <p:cSld>
     <p:spTree>
       <p:nvGrpSpPr>
-        <p:cNvPr id="1" name="Shape 77"/>
+        <p:cNvPr id="1" name="Shape 116"/>
         <p:cNvGrpSpPr/>
         <p:nvPr/>
       </p:nvGrpSpPr>
@@ -914,7 +919,7 @@
       </p:grpSpPr>
       <p:sp>
         <p:nvSpPr>
-          <p:cNvPr id="78" name="Google Shape;78;g161228a8776_0_17:notes"/>
+          <p:cNvPr id="117" name="Google Shape;117;g161228a8776_0_59:notes"/>
           <p:cNvSpPr>
             <a:spLocks noGrp="1" noRot="1" noChangeAspect="1"/>
           </p:cNvSpPr>
@@ -955,7 +960,7 @@
       </p:sp>
       <p:sp>
         <p:nvSpPr>
-          <p:cNvPr id="79" name="Google Shape;79;g161228a8776_0_17:notes"/>
+          <p:cNvPr id="118" name="Google Shape;118;g161228a8776_0_59:notes"/>
           <p:cNvSpPr txBox="1">
             <a:spLocks noGrp="1"/>
           </p:cNvSpPr>
@@ -994,7 +999,552 @@
     </p:spTree>
     <p:extLst>
       <p:ext uri="{BB962C8B-B14F-4D97-AF65-F5344CB8AC3E}">
+        <p14:creationId xmlns:p14="http://schemas.microsoft.com/office/powerpoint/2010/main" val="3116519479"/>
+      </p:ext>
+    </p:extLst>
+  </p:cSld>
+  <p:clrMapOvr>
+    <a:masterClrMapping/>
+  </p:clrMapOvr>
+</p:notes>
+</file>
+
+<file path=ppt/notesSlides/notesSlide13.xml><?xml version="1.0" encoding="utf-8"?>
+<p:notes xmlns:a="http://schemas.openxmlformats.org/drawingml/2006/main" xmlns:r="http://schemas.openxmlformats.org/officeDocument/2006/relationships" xmlns:p="http://schemas.openxmlformats.org/presentationml/2006/main" showMasterSp="0" showMasterPhAnim="0">
+  <p:cSld>
+    <p:spTree>
+      <p:nvGrpSpPr>
+        <p:cNvPr id="1" name="Shape 116"/>
+        <p:cNvGrpSpPr/>
+        <p:nvPr/>
+      </p:nvGrpSpPr>
+      <p:grpSpPr>
+        <a:xfrm>
+          <a:off x="0" y="0"/>
+          <a:ext cx="0" cy="0"/>
+          <a:chOff x="0" y="0"/>
+          <a:chExt cx="0" cy="0"/>
+        </a:xfrm>
+      </p:grpSpPr>
+      <p:sp>
+        <p:nvSpPr>
+          <p:cNvPr id="117" name="Google Shape;117;g161228a8776_0_59:notes"/>
+          <p:cNvSpPr>
+            <a:spLocks noGrp="1" noRot="1" noChangeAspect="1"/>
+          </p:cNvSpPr>
+          <p:nvPr>
+            <p:ph type="sldImg" idx="2"/>
+          </p:nvPr>
+        </p:nvSpPr>
+        <p:spPr>
+          <a:xfrm>
+            <a:off x="381000" y="685800"/>
+            <a:ext cx="6096000" cy="3429000"/>
+          </a:xfrm>
+          <a:custGeom>
+            <a:avLst/>
+            <a:gdLst/>
+            <a:ahLst/>
+            <a:cxnLst/>
+            <a:rect l="l" t="t" r="r" b="b"/>
+            <a:pathLst>
+              <a:path w="120000" h="120000" extrusionOk="0">
+                <a:moveTo>
+                  <a:pt x="0" y="0"/>
+                </a:moveTo>
+                <a:lnTo>
+                  <a:pt x="120000" y="0"/>
+                </a:lnTo>
+                <a:lnTo>
+                  <a:pt x="120000" y="120000"/>
+                </a:lnTo>
+                <a:lnTo>
+                  <a:pt x="0" y="120000"/>
+                </a:lnTo>
+                <a:close/>
+              </a:path>
+            </a:pathLst>
+          </a:custGeom>
+        </p:spPr>
+      </p:sp>
+      <p:sp>
+        <p:nvSpPr>
+          <p:cNvPr id="118" name="Google Shape;118;g161228a8776_0_59:notes"/>
+          <p:cNvSpPr txBox="1">
+            <a:spLocks noGrp="1"/>
+          </p:cNvSpPr>
+          <p:nvPr>
+            <p:ph type="body" idx="1"/>
+          </p:nvPr>
+        </p:nvSpPr>
+        <p:spPr>
+          <a:xfrm>
+            <a:off x="685800" y="4343400"/>
+            <a:ext cx="5486400" cy="4114800"/>
+          </a:xfrm>
+          <a:prstGeom prst="rect">
+            <a:avLst/>
+          </a:prstGeom>
+        </p:spPr>
+        <p:txBody>
+          <a:bodyPr spcFirstLastPara="1" wrap="square" lIns="91425" tIns="91425" rIns="91425" bIns="91425" anchor="t" anchorCtr="0">
+            <a:noAutofit/>
+          </a:bodyPr>
+          <a:lstStyle/>
+          <a:p>
+            <a:pPr marL="0" lvl="0" indent="0" algn="l" rtl="0">
+              <a:spcBef>
+                <a:spcPts val="0"/>
+              </a:spcBef>
+              <a:spcAft>
+                <a:spcPts val="0"/>
+              </a:spcAft>
+              <a:buNone/>
+            </a:pPr>
+            <a:endParaRPr/>
+          </a:p>
+        </p:txBody>
+      </p:sp>
+    </p:spTree>
+    <p:extLst>
+      <p:ext uri="{BB962C8B-B14F-4D97-AF65-F5344CB8AC3E}">
+        <p14:creationId xmlns:p14="http://schemas.microsoft.com/office/powerpoint/2010/main" val="3753872609"/>
+      </p:ext>
+    </p:extLst>
+  </p:cSld>
+  <p:clrMapOvr>
+    <a:masterClrMapping/>
+  </p:clrMapOvr>
+</p:notes>
+</file>
+
+<file path=ppt/notesSlides/notesSlide14.xml><?xml version="1.0" encoding="utf-8"?>
+<p:notes xmlns:a="http://schemas.openxmlformats.org/drawingml/2006/main" xmlns:r="http://schemas.openxmlformats.org/officeDocument/2006/relationships" xmlns:p="http://schemas.openxmlformats.org/presentationml/2006/main" showMasterSp="0" showMasterPhAnim="0">
+  <p:cSld>
+    <p:spTree>
+      <p:nvGrpSpPr>
+        <p:cNvPr id="1" name="Shape 77"/>
+        <p:cNvGrpSpPr/>
+        <p:nvPr/>
+      </p:nvGrpSpPr>
+      <p:grpSpPr>
+        <a:xfrm>
+          <a:off x="0" y="0"/>
+          <a:ext cx="0" cy="0"/>
+          <a:chOff x="0" y="0"/>
+          <a:chExt cx="0" cy="0"/>
+        </a:xfrm>
+      </p:grpSpPr>
+      <p:sp>
+        <p:nvSpPr>
+          <p:cNvPr id="78" name="Google Shape;78;g161228a8776_0_17:notes"/>
+          <p:cNvSpPr>
+            <a:spLocks noGrp="1" noRot="1" noChangeAspect="1"/>
+          </p:cNvSpPr>
+          <p:nvPr>
+            <p:ph type="sldImg" idx="2"/>
+          </p:nvPr>
+        </p:nvSpPr>
+        <p:spPr>
+          <a:xfrm>
+            <a:off x="381000" y="685800"/>
+            <a:ext cx="6096000" cy="3429000"/>
+          </a:xfrm>
+          <a:custGeom>
+            <a:avLst/>
+            <a:gdLst/>
+            <a:ahLst/>
+            <a:cxnLst/>
+            <a:rect l="l" t="t" r="r" b="b"/>
+            <a:pathLst>
+              <a:path w="120000" h="120000" extrusionOk="0">
+                <a:moveTo>
+                  <a:pt x="0" y="0"/>
+                </a:moveTo>
+                <a:lnTo>
+                  <a:pt x="120000" y="0"/>
+                </a:lnTo>
+                <a:lnTo>
+                  <a:pt x="120000" y="120000"/>
+                </a:lnTo>
+                <a:lnTo>
+                  <a:pt x="0" y="120000"/>
+                </a:lnTo>
+                <a:close/>
+              </a:path>
+            </a:pathLst>
+          </a:custGeom>
+        </p:spPr>
+      </p:sp>
+      <p:sp>
+        <p:nvSpPr>
+          <p:cNvPr id="79" name="Google Shape;79;g161228a8776_0_17:notes"/>
+          <p:cNvSpPr txBox="1">
+            <a:spLocks noGrp="1"/>
+          </p:cNvSpPr>
+          <p:nvPr>
+            <p:ph type="body" idx="1"/>
+          </p:nvPr>
+        </p:nvSpPr>
+        <p:spPr>
+          <a:xfrm>
+            <a:off x="685800" y="4343400"/>
+            <a:ext cx="5486400" cy="4114800"/>
+          </a:xfrm>
+          <a:prstGeom prst="rect">
+            <a:avLst/>
+          </a:prstGeom>
+        </p:spPr>
+        <p:txBody>
+          <a:bodyPr spcFirstLastPara="1" wrap="square" lIns="91425" tIns="91425" rIns="91425" bIns="91425" anchor="t" anchorCtr="0">
+            <a:noAutofit/>
+          </a:bodyPr>
+          <a:lstStyle/>
+          <a:p>
+            <a:pPr marL="0" lvl="0" indent="0" algn="l" rtl="0">
+              <a:spcBef>
+                <a:spcPts val="0"/>
+              </a:spcBef>
+              <a:spcAft>
+                <a:spcPts val="0"/>
+              </a:spcAft>
+              <a:buNone/>
+            </a:pPr>
+            <a:endParaRPr/>
+          </a:p>
+        </p:txBody>
+      </p:sp>
+    </p:spTree>
+    <p:extLst>
+      <p:ext uri="{BB962C8B-B14F-4D97-AF65-F5344CB8AC3E}">
+        <p14:creationId xmlns:p14="http://schemas.microsoft.com/office/powerpoint/2010/main" val="3942604738"/>
+      </p:ext>
+    </p:extLst>
+  </p:cSld>
+  <p:clrMapOvr>
+    <a:masterClrMapping/>
+  </p:clrMapOvr>
+</p:notes>
+</file>
+
+<file path=ppt/notesSlides/notesSlide15.xml><?xml version="1.0" encoding="utf-8"?>
+<p:notes xmlns:a="http://schemas.openxmlformats.org/drawingml/2006/main" xmlns:r="http://schemas.openxmlformats.org/officeDocument/2006/relationships" xmlns:p="http://schemas.openxmlformats.org/presentationml/2006/main" showMasterSp="0" showMasterPhAnim="0">
+  <p:cSld>
+    <p:spTree>
+      <p:nvGrpSpPr>
+        <p:cNvPr id="1" name="Shape 77"/>
+        <p:cNvGrpSpPr/>
+        <p:nvPr/>
+      </p:nvGrpSpPr>
+      <p:grpSpPr>
+        <a:xfrm>
+          <a:off x="0" y="0"/>
+          <a:ext cx="0" cy="0"/>
+          <a:chOff x="0" y="0"/>
+          <a:chExt cx="0" cy="0"/>
+        </a:xfrm>
+      </p:grpSpPr>
+      <p:sp>
+        <p:nvSpPr>
+          <p:cNvPr id="78" name="Google Shape;78;g161228a8776_0_17:notes"/>
+          <p:cNvSpPr>
+            <a:spLocks noGrp="1" noRot="1" noChangeAspect="1"/>
+          </p:cNvSpPr>
+          <p:nvPr>
+            <p:ph type="sldImg" idx="2"/>
+          </p:nvPr>
+        </p:nvSpPr>
+        <p:spPr>
+          <a:xfrm>
+            <a:off x="381000" y="685800"/>
+            <a:ext cx="6096000" cy="3429000"/>
+          </a:xfrm>
+          <a:custGeom>
+            <a:avLst/>
+            <a:gdLst/>
+            <a:ahLst/>
+            <a:cxnLst/>
+            <a:rect l="l" t="t" r="r" b="b"/>
+            <a:pathLst>
+              <a:path w="120000" h="120000" extrusionOk="0">
+                <a:moveTo>
+                  <a:pt x="0" y="0"/>
+                </a:moveTo>
+                <a:lnTo>
+                  <a:pt x="120000" y="0"/>
+                </a:lnTo>
+                <a:lnTo>
+                  <a:pt x="120000" y="120000"/>
+                </a:lnTo>
+                <a:lnTo>
+                  <a:pt x="0" y="120000"/>
+                </a:lnTo>
+                <a:close/>
+              </a:path>
+            </a:pathLst>
+          </a:custGeom>
+        </p:spPr>
+      </p:sp>
+      <p:sp>
+        <p:nvSpPr>
+          <p:cNvPr id="79" name="Google Shape;79;g161228a8776_0_17:notes"/>
+          <p:cNvSpPr txBox="1">
+            <a:spLocks noGrp="1"/>
+          </p:cNvSpPr>
+          <p:nvPr>
+            <p:ph type="body" idx="1"/>
+          </p:nvPr>
+        </p:nvSpPr>
+        <p:spPr>
+          <a:xfrm>
+            <a:off x="685800" y="4343400"/>
+            <a:ext cx="5486400" cy="4114800"/>
+          </a:xfrm>
+          <a:prstGeom prst="rect">
+            <a:avLst/>
+          </a:prstGeom>
+        </p:spPr>
+        <p:txBody>
+          <a:bodyPr spcFirstLastPara="1" wrap="square" lIns="91425" tIns="91425" rIns="91425" bIns="91425" anchor="t" anchorCtr="0">
+            <a:noAutofit/>
+          </a:bodyPr>
+          <a:lstStyle/>
+          <a:p>
+            <a:pPr marL="0" lvl="0" indent="0" algn="l" rtl="0">
+              <a:spcBef>
+                <a:spcPts val="0"/>
+              </a:spcBef>
+              <a:spcAft>
+                <a:spcPts val="0"/>
+              </a:spcAft>
+              <a:buNone/>
+            </a:pPr>
+            <a:endParaRPr/>
+          </a:p>
+        </p:txBody>
+      </p:sp>
+    </p:spTree>
+    <p:extLst>
+      <p:ext uri="{BB962C8B-B14F-4D97-AF65-F5344CB8AC3E}">
         <p14:creationId xmlns:p14="http://schemas.microsoft.com/office/powerpoint/2010/main" val="2511237506"/>
+      </p:ext>
+    </p:extLst>
+  </p:cSld>
+  <p:clrMapOvr>
+    <a:masterClrMapping/>
+  </p:clrMapOvr>
+</p:notes>
+</file>
+
+<file path=ppt/notesSlides/notesSlide16.xml><?xml version="1.0" encoding="utf-8"?>
+<p:notes xmlns:a="http://schemas.openxmlformats.org/drawingml/2006/main" xmlns:r="http://schemas.openxmlformats.org/officeDocument/2006/relationships" xmlns:p="http://schemas.openxmlformats.org/presentationml/2006/main" showMasterSp="0" showMasterPhAnim="0">
+  <p:cSld>
+    <p:spTree>
+      <p:nvGrpSpPr>
+        <p:cNvPr id="1" name="Shape 77"/>
+        <p:cNvGrpSpPr/>
+        <p:nvPr/>
+      </p:nvGrpSpPr>
+      <p:grpSpPr>
+        <a:xfrm>
+          <a:off x="0" y="0"/>
+          <a:ext cx="0" cy="0"/>
+          <a:chOff x="0" y="0"/>
+          <a:chExt cx="0" cy="0"/>
+        </a:xfrm>
+      </p:grpSpPr>
+      <p:sp>
+        <p:nvSpPr>
+          <p:cNvPr id="78" name="Google Shape;78;g161228a8776_0_17:notes"/>
+          <p:cNvSpPr>
+            <a:spLocks noGrp="1" noRot="1" noChangeAspect="1"/>
+          </p:cNvSpPr>
+          <p:nvPr>
+            <p:ph type="sldImg" idx="2"/>
+          </p:nvPr>
+        </p:nvSpPr>
+        <p:spPr>
+          <a:xfrm>
+            <a:off x="381000" y="685800"/>
+            <a:ext cx="6096000" cy="3429000"/>
+          </a:xfrm>
+          <a:custGeom>
+            <a:avLst/>
+            <a:gdLst/>
+            <a:ahLst/>
+            <a:cxnLst/>
+            <a:rect l="l" t="t" r="r" b="b"/>
+            <a:pathLst>
+              <a:path w="120000" h="120000" extrusionOk="0">
+                <a:moveTo>
+                  <a:pt x="0" y="0"/>
+                </a:moveTo>
+                <a:lnTo>
+                  <a:pt x="120000" y="0"/>
+                </a:lnTo>
+                <a:lnTo>
+                  <a:pt x="120000" y="120000"/>
+                </a:lnTo>
+                <a:lnTo>
+                  <a:pt x="0" y="120000"/>
+                </a:lnTo>
+                <a:close/>
+              </a:path>
+            </a:pathLst>
+          </a:custGeom>
+        </p:spPr>
+      </p:sp>
+      <p:sp>
+        <p:nvSpPr>
+          <p:cNvPr id="79" name="Google Shape;79;g161228a8776_0_17:notes"/>
+          <p:cNvSpPr txBox="1">
+            <a:spLocks noGrp="1"/>
+          </p:cNvSpPr>
+          <p:nvPr>
+            <p:ph type="body" idx="1"/>
+          </p:nvPr>
+        </p:nvSpPr>
+        <p:spPr>
+          <a:xfrm>
+            <a:off x="685800" y="4343400"/>
+            <a:ext cx="5486400" cy="4114800"/>
+          </a:xfrm>
+          <a:prstGeom prst="rect">
+            <a:avLst/>
+          </a:prstGeom>
+        </p:spPr>
+        <p:txBody>
+          <a:bodyPr spcFirstLastPara="1" wrap="square" lIns="91425" tIns="91425" rIns="91425" bIns="91425" anchor="t" anchorCtr="0">
+            <a:noAutofit/>
+          </a:bodyPr>
+          <a:lstStyle/>
+          <a:p>
+            <a:pPr marL="0" lvl="0" indent="0" algn="l" rtl="0">
+              <a:spcBef>
+                <a:spcPts val="0"/>
+              </a:spcBef>
+              <a:spcAft>
+                <a:spcPts val="0"/>
+              </a:spcAft>
+              <a:buNone/>
+            </a:pPr>
+            <a:endParaRPr/>
+          </a:p>
+        </p:txBody>
+      </p:sp>
+    </p:spTree>
+    <p:extLst>
+      <p:ext uri="{BB962C8B-B14F-4D97-AF65-F5344CB8AC3E}">
+        <p14:creationId xmlns:p14="http://schemas.microsoft.com/office/powerpoint/2010/main" val="1345548324"/>
+      </p:ext>
+    </p:extLst>
+  </p:cSld>
+  <p:clrMapOvr>
+    <a:masterClrMapping/>
+  </p:clrMapOvr>
+</p:notes>
+</file>
+
+<file path=ppt/notesSlides/notesSlide17.xml><?xml version="1.0" encoding="utf-8"?>
+<p:notes xmlns:a="http://schemas.openxmlformats.org/drawingml/2006/main" xmlns:r="http://schemas.openxmlformats.org/officeDocument/2006/relationships" xmlns:p="http://schemas.openxmlformats.org/presentationml/2006/main" showMasterSp="0" showMasterPhAnim="0">
+  <p:cSld>
+    <p:spTree>
+      <p:nvGrpSpPr>
+        <p:cNvPr id="1" name="Shape 77"/>
+        <p:cNvGrpSpPr/>
+        <p:nvPr/>
+      </p:nvGrpSpPr>
+      <p:grpSpPr>
+        <a:xfrm>
+          <a:off x="0" y="0"/>
+          <a:ext cx="0" cy="0"/>
+          <a:chOff x="0" y="0"/>
+          <a:chExt cx="0" cy="0"/>
+        </a:xfrm>
+      </p:grpSpPr>
+      <p:sp>
+        <p:nvSpPr>
+          <p:cNvPr id="78" name="Google Shape;78;g161228a8776_0_17:notes"/>
+          <p:cNvSpPr>
+            <a:spLocks noGrp="1" noRot="1" noChangeAspect="1"/>
+          </p:cNvSpPr>
+          <p:nvPr>
+            <p:ph type="sldImg" idx="2"/>
+          </p:nvPr>
+        </p:nvSpPr>
+        <p:spPr>
+          <a:xfrm>
+            <a:off x="381000" y="685800"/>
+            <a:ext cx="6096000" cy="3429000"/>
+          </a:xfrm>
+          <a:custGeom>
+            <a:avLst/>
+            <a:gdLst/>
+            <a:ahLst/>
+            <a:cxnLst/>
+            <a:rect l="l" t="t" r="r" b="b"/>
+            <a:pathLst>
+              <a:path w="120000" h="120000" extrusionOk="0">
+                <a:moveTo>
+                  <a:pt x="0" y="0"/>
+                </a:moveTo>
+                <a:lnTo>
+                  <a:pt x="120000" y="0"/>
+                </a:lnTo>
+                <a:lnTo>
+                  <a:pt x="120000" y="120000"/>
+                </a:lnTo>
+                <a:lnTo>
+                  <a:pt x="0" y="120000"/>
+                </a:lnTo>
+                <a:close/>
+              </a:path>
+            </a:pathLst>
+          </a:custGeom>
+        </p:spPr>
+      </p:sp>
+      <p:sp>
+        <p:nvSpPr>
+          <p:cNvPr id="79" name="Google Shape;79;g161228a8776_0_17:notes"/>
+          <p:cNvSpPr txBox="1">
+            <a:spLocks noGrp="1"/>
+          </p:cNvSpPr>
+          <p:nvPr>
+            <p:ph type="body" idx="1"/>
+          </p:nvPr>
+        </p:nvSpPr>
+        <p:spPr>
+          <a:xfrm>
+            <a:off x="685800" y="4343400"/>
+            <a:ext cx="5486400" cy="4114800"/>
+          </a:xfrm>
+          <a:prstGeom prst="rect">
+            <a:avLst/>
+          </a:prstGeom>
+        </p:spPr>
+        <p:txBody>
+          <a:bodyPr spcFirstLastPara="1" wrap="square" lIns="91425" tIns="91425" rIns="91425" bIns="91425" anchor="t" anchorCtr="0">
+            <a:noAutofit/>
+          </a:bodyPr>
+          <a:lstStyle/>
+          <a:p>
+            <a:pPr marL="0" lvl="0" indent="0" algn="l" rtl="0">
+              <a:spcBef>
+                <a:spcPts val="0"/>
+              </a:spcBef>
+              <a:spcAft>
+                <a:spcPts val="0"/>
+              </a:spcAft>
+              <a:buNone/>
+            </a:pPr>
+            <a:endParaRPr/>
+          </a:p>
+        </p:txBody>
+      </p:sp>
+    </p:spTree>
+    <p:extLst>
+      <p:ext uri="{BB962C8B-B14F-4D97-AF65-F5344CB8AC3E}">
+        <p14:creationId xmlns:p14="http://schemas.microsoft.com/office/powerpoint/2010/main" val="911013049"/>
       </p:ext>
     </p:extLst>
   </p:cSld>
@@ -2559,7 +3109,7 @@
             <a:fld id="{B61BEF0D-F0BB-DE4B-95CE-6DB70DBA9567}" type="datetimeFigureOut">
               <a:rPr lang="en-US" dirty="0"/>
               <a:pPr/>
-              <a:t>10/5/2022</a:t>
+              <a:t>10/12/2022</a:t>
             </a:fld>
             <a:endParaRPr lang="en-US" dirty="0"/>
           </a:p>
@@ -2821,7 +3371,7 @@
             <a:fld id="{B61BEF0D-F0BB-DE4B-95CE-6DB70DBA9567}" type="datetimeFigureOut">
               <a:rPr lang="en-US" dirty="0"/>
               <a:pPr/>
-              <a:t>10/5/2022</a:t>
+              <a:t>10/12/2022</a:t>
             </a:fld>
             <a:endParaRPr lang="en-US" dirty="0"/>
           </a:p>
@@ -3146,7 +3696,7 @@
             <a:fld id="{B61BEF0D-F0BB-DE4B-95CE-6DB70DBA9567}" type="datetimeFigureOut">
               <a:rPr lang="en-US" dirty="0"/>
               <a:pPr/>
-              <a:t>10/5/2022</a:t>
+              <a:t>10/12/2022</a:t>
             </a:fld>
             <a:endParaRPr lang="en-US" dirty="0"/>
           </a:p>
@@ -3498,7 +4048,7 @@
             <a:fld id="{B61BEF0D-F0BB-DE4B-95CE-6DB70DBA9567}" type="datetimeFigureOut">
               <a:rPr lang="en-US" dirty="0"/>
               <a:pPr/>
-              <a:t>10/5/2022</a:t>
+              <a:t>10/12/2022</a:t>
             </a:fld>
             <a:endParaRPr lang="en-US" dirty="0"/>
           </a:p>
@@ -3823,7 +4373,7 @@
             <a:fld id="{B61BEF0D-F0BB-DE4B-95CE-6DB70DBA9567}" type="datetimeFigureOut">
               <a:rPr lang="en-US" dirty="0"/>
               <a:pPr/>
-              <a:t>10/5/2022</a:t>
+              <a:t>10/12/2022</a:t>
             </a:fld>
             <a:endParaRPr lang="en-US" dirty="0"/>
           </a:p>
@@ -4227,7 +4777,7 @@
             <a:fld id="{B61BEF0D-F0BB-DE4B-95CE-6DB70DBA9567}" type="datetimeFigureOut">
               <a:rPr lang="en-US" dirty="0"/>
               <a:pPr/>
-              <a:t>10/5/2022</a:t>
+              <a:t>10/12/2022</a:t>
             </a:fld>
             <a:endParaRPr lang="en-US" dirty="0"/>
           </a:p>
@@ -4407,7 +4957,7 @@
           <a:p>
             <a:fld id="{55C6B4A9-1611-4792-9094-5F34BCA07E0B}" type="datetimeFigureOut">
               <a:rPr lang="en-US" dirty="0"/>
-              <a:t>10/5/2022</a:t>
+              <a:t>10/12/2022</a:t>
             </a:fld>
             <a:endParaRPr lang="en-US" dirty="0"/>
           </a:p>
@@ -4598,7 +5148,7 @@
             <a:fld id="{B61BEF0D-F0BB-DE4B-95CE-6DB70DBA9567}" type="datetimeFigureOut">
               <a:rPr lang="en-US" dirty="0"/>
               <a:pPr/>
-              <a:t>10/5/2022</a:t>
+              <a:t>10/12/2022</a:t>
             </a:fld>
             <a:endParaRPr lang="en-US" dirty="0"/>
           </a:p>
@@ -4785,7 +5335,7 @@
             <a:fld id="{B61BEF0D-F0BB-DE4B-95CE-6DB70DBA9567}" type="datetimeFigureOut">
               <a:rPr lang="en-US" dirty="0"/>
               <a:pPr/>
-              <a:t>10/5/2022</a:t>
+              <a:t>10/12/2022</a:t>
             </a:fld>
             <a:endParaRPr lang="en-US" dirty="0"/>
           </a:p>
@@ -5043,7 +5593,7 @@
             <a:fld id="{B61BEF0D-F0BB-DE4B-95CE-6DB70DBA9567}" type="datetimeFigureOut">
               <a:rPr lang="en-US" dirty="0"/>
               <a:pPr/>
-              <a:t>10/5/2022</a:t>
+              <a:t>10/12/2022</a:t>
             </a:fld>
             <a:endParaRPr lang="en-US" dirty="0"/>
           </a:p>
@@ -5285,7 +5835,7 @@
           <a:p>
             <a:fld id="{EB712588-04B1-427B-82EE-E8DB90309F08}" type="datetimeFigureOut">
               <a:rPr lang="en-US" dirty="0"/>
-              <a:t>10/5/2022</a:t>
+              <a:t>10/12/2022</a:t>
             </a:fld>
             <a:endParaRPr lang="en-US" dirty="0"/>
           </a:p>
@@ -5670,7 +6220,7 @@
             <a:fld id="{B61BEF0D-F0BB-DE4B-95CE-6DB70DBA9567}" type="datetimeFigureOut">
               <a:rPr lang="en-US" dirty="0"/>
               <a:pPr/>
-              <a:t>10/5/2022</a:t>
+              <a:t>10/12/2022</a:t>
             </a:fld>
             <a:endParaRPr lang="en-US" dirty="0"/>
           </a:p>
@@ -5804,7 +6354,7 @@
             <a:fld id="{B61BEF0D-F0BB-DE4B-95CE-6DB70DBA9567}" type="datetimeFigureOut">
               <a:rPr lang="en-US" dirty="0"/>
               <a:pPr/>
-              <a:t>10/5/2022</a:t>
+              <a:t>10/12/2022</a:t>
             </a:fld>
             <a:endParaRPr lang="en-US" dirty="0"/>
           </a:p>
@@ -5910,7 +6460,7 @@
             <a:fld id="{B61BEF0D-F0BB-DE4B-95CE-6DB70DBA9567}" type="datetimeFigureOut">
               <a:rPr lang="en-US" dirty="0"/>
               <a:pPr/>
-              <a:t>10/5/2022</a:t>
+              <a:t>10/12/2022</a:t>
             </a:fld>
             <a:endParaRPr lang="en-US" dirty="0"/>
           </a:p>
@@ -6174,7 +6724,7 @@
           <a:p>
             <a:fld id="{42A54C80-263E-416B-A8E0-580EDEADCBDC}" type="datetimeFigureOut">
               <a:rPr lang="en-US" dirty="0"/>
-              <a:t>10/5/2022</a:t>
+              <a:t>10/12/2022</a:t>
             </a:fld>
             <a:endParaRPr lang="en-US" dirty="0"/>
           </a:p>
@@ -6448,7 +6998,7 @@
             <a:fld id="{B61BEF0D-F0BB-DE4B-95CE-6DB70DBA9567}" type="datetimeFigureOut">
               <a:rPr lang="en-US" dirty="0"/>
               <a:pPr/>
-              <a:t>10/5/2022</a:t>
+              <a:t>10/12/2022</a:t>
             </a:fld>
             <a:endParaRPr lang="en-US" dirty="0"/>
           </a:p>
@@ -7202,7 +7752,7 @@
             <a:fld id="{B61BEF0D-F0BB-DE4B-95CE-6DB70DBA9567}" type="datetimeFigureOut">
               <a:rPr lang="en-US" dirty="0"/>
               <a:pPr/>
-              <a:t>10/5/2022</a:t>
+              <a:t>10/12/2022</a:t>
             </a:fld>
             <a:endParaRPr lang="en-US" dirty="0"/>
           </a:p>
@@ -7786,8 +8336,8 @@
         </p:nvSpPr>
         <p:spPr>
           <a:xfrm>
-            <a:off x="6947650" y="3417800"/>
-            <a:ext cx="1848900" cy="1262100"/>
+            <a:off x="274500" y="3573870"/>
+            <a:ext cx="2124817" cy="1569630"/>
           </a:xfrm>
           <a:prstGeom prst="rect">
             <a:avLst/>
@@ -7813,10 +8363,10 @@
               <a:buNone/>
             </a:pPr>
             <a:r>
-              <a:rPr lang="en" b="1"/>
+              <a:rPr lang="en" b="1" dirty="0"/>
               <a:t>Presenters:</a:t>
             </a:r>
-            <a:endParaRPr b="1"/>
+            <a:endParaRPr b="1" dirty="0"/>
           </a:p>
           <a:p>
             <a:pPr marL="0" lvl="0" indent="0" algn="l" rtl="0">
@@ -7829,10 +8379,10 @@
               <a:buNone/>
             </a:pPr>
             <a:r>
-              <a:rPr lang="en"/>
+              <a:rPr lang="en" dirty="0"/>
               <a:t>Bernie Manu</a:t>
             </a:r>
-            <a:endParaRPr/>
+            <a:endParaRPr dirty="0"/>
           </a:p>
           <a:p>
             <a:pPr marL="0" lvl="0" indent="0" algn="l" rtl="0">
@@ -7845,10 +8395,10 @@
               <a:buNone/>
             </a:pPr>
             <a:r>
-              <a:rPr lang="en"/>
+              <a:rPr lang="en" dirty="0"/>
               <a:t>Jennifer Anno-Kusi</a:t>
             </a:r>
-            <a:endParaRPr/>
+            <a:endParaRPr dirty="0"/>
           </a:p>
           <a:p>
             <a:pPr marL="0" lvl="0" indent="0" algn="l" rtl="0">
@@ -7861,10 +8411,10 @@
               <a:buNone/>
             </a:pPr>
             <a:r>
-              <a:rPr lang="en"/>
+              <a:rPr lang="en" dirty="0"/>
               <a:t>Sandeep Powar</a:t>
             </a:r>
-            <a:endParaRPr/>
+            <a:endParaRPr dirty="0"/>
           </a:p>
           <a:p>
             <a:pPr marL="0" lvl="0" indent="0" algn="l" rtl="0">
@@ -7877,10 +8427,10 @@
               <a:buNone/>
             </a:pPr>
             <a:r>
-              <a:rPr lang="en"/>
+              <a:rPr lang="en" dirty="0"/>
               <a:t>Yuvraj Taneja</a:t>
             </a:r>
-            <a:endParaRPr/>
+            <a:endParaRPr dirty="0"/>
           </a:p>
         </p:txBody>
       </p:sp>
@@ -8121,7 +8671,7 @@
   <p:cSld>
     <p:spTree>
       <p:nvGrpSpPr>
-        <p:cNvPr id="1" name="Shape 80"/>
+        <p:cNvPr id="1" name="Shape 119"/>
         <p:cNvGrpSpPr/>
         <p:nvPr/>
       </p:nvGrpSpPr>
@@ -8135,7 +8685,7 @@
       </p:grpSpPr>
       <p:sp>
         <p:nvSpPr>
-          <p:cNvPr id="81" name="Google Shape;81;p17"/>
+          <p:cNvPr id="120" name="Google Shape;120;p22"/>
           <p:cNvSpPr txBox="1">
             <a:spLocks noGrp="1"/>
           </p:cNvSpPr>
@@ -8145,8 +8695,8 @@
         </p:nvSpPr>
         <p:spPr>
           <a:xfrm>
-            <a:off x="363925" y="183225"/>
-            <a:ext cx="8520600" cy="1362300"/>
+            <a:off x="376700" y="-67600"/>
+            <a:ext cx="8520600" cy="960600"/>
           </a:xfrm>
           <a:prstGeom prst="rect">
             <a:avLst/>
@@ -8169,7 +8719,7 @@
             </a:pPr>
             <a:r>
               <a:rPr lang="en" dirty="0"/>
-              <a:t>Technologies &amp; Algorithms</a:t>
+              <a:t>Data Analysis</a:t>
             </a:r>
             <a:endParaRPr dirty="0"/>
           </a:p>
@@ -8177,7 +8727,7 @@
       </p:sp>
       <p:sp>
         <p:nvSpPr>
-          <p:cNvPr id="82" name="Google Shape;82;p17"/>
+          <p:cNvPr id="121" name="Google Shape;121;p22"/>
           <p:cNvSpPr txBox="1">
             <a:spLocks noGrp="1"/>
           </p:cNvSpPr>
@@ -8187,8 +8737,8 @@
         </p:nvSpPr>
         <p:spPr>
           <a:xfrm>
-            <a:off x="1587500" y="1925783"/>
-            <a:ext cx="5825202" cy="2611580"/>
+            <a:off x="0" y="992150"/>
+            <a:ext cx="8520600" cy="792600"/>
           </a:xfrm>
           <a:prstGeom prst="rect">
             <a:avLst/>
@@ -8196,191 +8746,33 @@
         </p:spPr>
         <p:txBody>
           <a:bodyPr spcFirstLastPara="1" wrap="square" lIns="91425" tIns="91425" rIns="91425" bIns="91425" anchor="t" anchorCtr="0">
-            <a:noAutofit/>
+            <a:normAutofit/>
           </a:bodyPr>
           <a:lstStyle/>
           <a:p>
-            <a:pPr marL="342900" lvl="0" indent="-342900" algn="l" rtl="0">
+            <a:pPr marL="457200" lvl="0" indent="0" algn="l" rtl="0">
+              <a:lnSpc>
+                <a:spcPct val="115000"/>
+              </a:lnSpc>
               <a:spcBef>
                 <a:spcPts val="0"/>
               </a:spcBef>
               <a:spcAft>
-                <a:spcPts val="0"/>
+                <a:spcPts val="1200"/>
               </a:spcAft>
-              <a:buFont typeface="Arial" panose="020B0604020202020204" pitchFamily="34" charset="0"/>
-              <a:buChar char="•"/>
+              <a:buNone/>
             </a:pPr>
             <a:r>
-              <a:rPr lang="en" sz="2000" dirty="0">
+              <a:rPr lang="en-CA" sz="1900" dirty="0">
                 <a:solidFill>
-                  <a:schemeClr val="tx1"/>
+                  <a:srgbClr val="24292F"/>
                 </a:solidFill>
               </a:rPr>
-              <a:t>Python</a:t>
-            </a:r>
-          </a:p>
-          <a:p>
-            <a:pPr marL="342900" lvl="0" indent="-342900" algn="l" rtl="0">
-              <a:spcBef>
-                <a:spcPts val="0"/>
-              </a:spcBef>
-              <a:spcAft>
-                <a:spcPts val="0"/>
-              </a:spcAft>
-              <a:buFont typeface="Arial" panose="020B0604020202020204" pitchFamily="34" charset="0"/>
-              <a:buChar char="•"/>
-            </a:pPr>
-            <a:r>
-              <a:rPr lang="en" sz="2000" dirty="0">
-                <a:solidFill>
-                  <a:schemeClr val="tx1"/>
-                </a:solidFill>
-              </a:rPr>
-              <a:t>Pandas and other libraries</a:t>
-            </a:r>
-          </a:p>
-          <a:p>
-            <a:pPr marL="342900" lvl="0" indent="-342900" algn="l" rtl="0">
-              <a:spcBef>
-                <a:spcPts val="0"/>
-              </a:spcBef>
-              <a:spcAft>
-                <a:spcPts val="0"/>
-              </a:spcAft>
-              <a:buFont typeface="Arial" panose="020B0604020202020204" pitchFamily="34" charset="0"/>
-              <a:buChar char="•"/>
-            </a:pPr>
-            <a:r>
-              <a:rPr lang="en" sz="2000" dirty="0">
-                <a:solidFill>
-                  <a:schemeClr val="tx1"/>
-                </a:solidFill>
-              </a:rPr>
-              <a:t>Jupyter notebook</a:t>
-            </a:r>
-          </a:p>
-          <a:p>
-            <a:pPr marL="342900" lvl="0" indent="-342900" algn="l" rtl="0">
-              <a:spcBef>
-                <a:spcPts val="0"/>
-              </a:spcBef>
-              <a:spcAft>
-                <a:spcPts val="0"/>
-              </a:spcAft>
-              <a:buFont typeface="Arial" panose="020B0604020202020204" pitchFamily="34" charset="0"/>
-              <a:buChar char="•"/>
-            </a:pPr>
-            <a:r>
-              <a:rPr lang="en-CA" sz="2000" dirty="0">
-                <a:solidFill>
-                  <a:schemeClr val="tx1"/>
-                </a:solidFill>
-              </a:rPr>
-              <a:t>Postgres database</a:t>
-            </a:r>
-          </a:p>
-          <a:p>
-            <a:pPr marL="342900" lvl="0" indent="-342900" algn="l" rtl="0">
-              <a:spcBef>
-                <a:spcPts val="0"/>
-              </a:spcBef>
-              <a:spcAft>
-                <a:spcPts val="0"/>
-              </a:spcAft>
-              <a:buFont typeface="Arial" panose="020B0604020202020204" pitchFamily="34" charset="0"/>
-              <a:buChar char="•"/>
-            </a:pPr>
-            <a:r>
-              <a:rPr lang="en-CA" sz="2000" dirty="0">
-                <a:solidFill>
-                  <a:schemeClr val="tx1"/>
-                </a:solidFill>
-              </a:rPr>
-              <a:t>Decision Tree Classifier Model</a:t>
-            </a:r>
-          </a:p>
-          <a:p>
-            <a:pPr marL="342900" lvl="0" indent="-342900" algn="l" rtl="0">
-              <a:spcBef>
-                <a:spcPts val="0"/>
-              </a:spcBef>
-              <a:spcAft>
-                <a:spcPts val="0"/>
-              </a:spcAft>
-              <a:buFont typeface="Arial" panose="020B0604020202020204" pitchFamily="34" charset="0"/>
-              <a:buChar char="•"/>
-            </a:pPr>
-            <a:r>
-              <a:rPr lang="en-CA" sz="2000" dirty="0">
-                <a:solidFill>
-                  <a:schemeClr val="tx1"/>
-                </a:solidFill>
-              </a:rPr>
-              <a:t>Random Forest Classifier Model</a:t>
-            </a:r>
-          </a:p>
-          <a:p>
-            <a:pPr marL="342900" lvl="0" indent="-342900" algn="l" rtl="0">
-              <a:spcBef>
-                <a:spcPts val="0"/>
-              </a:spcBef>
-              <a:spcAft>
-                <a:spcPts val="0"/>
-              </a:spcAft>
-              <a:buFont typeface="Arial" panose="020B0604020202020204" pitchFamily="34" charset="0"/>
-              <a:buChar char="•"/>
-            </a:pPr>
-            <a:r>
-              <a:rPr lang="en-CA" sz="2000" dirty="0">
-                <a:solidFill>
-                  <a:schemeClr val="tx1"/>
-                </a:solidFill>
-              </a:rPr>
-              <a:t>Tableau and Google slides</a:t>
-            </a:r>
-          </a:p>
-          <a:p>
-            <a:pPr marL="342900" lvl="0" indent="-342900" algn="l" rtl="0">
-              <a:spcBef>
-                <a:spcPts val="0"/>
-              </a:spcBef>
-              <a:spcAft>
-                <a:spcPts val="0"/>
-              </a:spcAft>
-              <a:buFont typeface="Arial" panose="020B0604020202020204" pitchFamily="34" charset="0"/>
-              <a:buChar char="•"/>
-            </a:pPr>
-            <a:r>
-              <a:rPr lang="en-CA" sz="2000" dirty="0" err="1">
-                <a:solidFill>
-                  <a:schemeClr val="tx1"/>
-                </a:solidFill>
-              </a:rPr>
-              <a:t>Github</a:t>
-            </a:r>
-            <a:r>
-              <a:rPr lang="en-CA" sz="2000" dirty="0">
-                <a:solidFill>
-                  <a:schemeClr val="tx1"/>
-                </a:solidFill>
-              </a:rPr>
-              <a:t>, Zoom and Slack</a:t>
-            </a:r>
-          </a:p>
-          <a:p>
-            <a:pPr marL="342900" lvl="0" indent="-342900" algn="l" rtl="0">
-              <a:spcBef>
-                <a:spcPts val="0"/>
-              </a:spcBef>
-              <a:spcAft>
-                <a:spcPts val="0"/>
-              </a:spcAft>
-              <a:buFont typeface="Arial" panose="020B0604020202020204" pitchFamily="34" charset="0"/>
-              <a:buChar char="•"/>
-            </a:pPr>
-            <a:endParaRPr sz="2000" dirty="0">
+              <a:t>Fraud reported ML DTC model vs. ML RFC model</a:t>
+            </a:r>
+            <a:endParaRPr sz="1900" dirty="0">
               <a:solidFill>
-                <a:schemeClr val="tx1"/>
+                <a:srgbClr val="24292F"/>
               </a:solidFill>
             </a:endParaRPr>
           </a:p>
@@ -8391,7 +8783,7 @@
           <p:cNvPr id="2" name="Google Shape;69;p15">
             <a:extLst>
               <a:ext uri="{FF2B5EF4-FFF2-40B4-BE49-F238E27FC236}">
-                <a16:creationId xmlns:a16="http://schemas.microsoft.com/office/drawing/2014/main" id="{C2D4C20F-5D82-5160-BEA9-8AA5952D33AD}"/>
+                <a16:creationId xmlns:a16="http://schemas.microsoft.com/office/drawing/2014/main" id="{BBEB642E-60EE-3A62-005A-A7F08EF7E283}"/>
               </a:ext>
             </a:extLst>
           </p:cNvPr>
@@ -8402,8 +8794,8 @@
         </p:nvCxnSpPr>
         <p:spPr>
           <a:xfrm>
-            <a:off x="1676400" y="1681543"/>
-            <a:ext cx="5881255" cy="0"/>
+            <a:off x="3117273" y="815634"/>
+            <a:ext cx="3041072" cy="0"/>
           </a:xfrm>
           <a:prstGeom prst="straightConnector1">
             <a:avLst/>
@@ -8420,10 +8812,40 @@
           </a:ln>
         </p:spPr>
       </p:cxnSp>
+      <p:pic>
+        <p:nvPicPr>
+          <p:cNvPr id="4" name="Picture 3">
+            <a:extLst>
+              <a:ext uri="{FF2B5EF4-FFF2-40B4-BE49-F238E27FC236}">
+                <a16:creationId xmlns:a16="http://schemas.microsoft.com/office/drawing/2014/main" id="{57923F50-6A97-06BE-7403-1C7154434E48}"/>
+              </a:ext>
+            </a:extLst>
+          </p:cNvPr>
+          <p:cNvPicPr>
+            <a:picLocks noChangeAspect="1"/>
+          </p:cNvPicPr>
+          <p:nvPr/>
+        </p:nvPicPr>
+        <p:blipFill>
+          <a:blip r:embed="rId3"/>
+          <a:stretch>
+            <a:fillRect/>
+          </a:stretch>
+        </p:blipFill>
+        <p:spPr>
+          <a:xfrm>
+            <a:off x="1203868" y="1520808"/>
+            <a:ext cx="5674755" cy="3412436"/>
+          </a:xfrm>
+          <a:prstGeom prst="rect">
+            <a:avLst/>
+          </a:prstGeom>
+        </p:spPr>
+      </p:pic>
     </p:spTree>
     <p:extLst>
       <p:ext uri="{BB962C8B-B14F-4D97-AF65-F5344CB8AC3E}">
-        <p14:creationId xmlns:p14="http://schemas.microsoft.com/office/powerpoint/2010/main" val="3297345817"/>
+        <p14:creationId xmlns:p14="http://schemas.microsoft.com/office/powerpoint/2010/main" val="837880294"/>
       </p:ext>
     </p:extLst>
   </p:cSld>
@@ -8434,6 +8856,374 @@
 </file>
 
 <file path=ppt/slides/slide12.xml><?xml version="1.0" encoding="utf-8"?>
+<p:sld xmlns:a="http://schemas.openxmlformats.org/drawingml/2006/main" xmlns:r="http://schemas.openxmlformats.org/officeDocument/2006/relationships" xmlns:p="http://schemas.openxmlformats.org/presentationml/2006/main">
+  <p:cSld>
+    <p:spTree>
+      <p:nvGrpSpPr>
+        <p:cNvPr id="1" name="Shape 119"/>
+        <p:cNvGrpSpPr/>
+        <p:nvPr/>
+      </p:nvGrpSpPr>
+      <p:grpSpPr>
+        <a:xfrm>
+          <a:off x="0" y="0"/>
+          <a:ext cx="0" cy="0"/>
+          <a:chOff x="0" y="0"/>
+          <a:chExt cx="0" cy="0"/>
+        </a:xfrm>
+      </p:grpSpPr>
+      <p:sp>
+        <p:nvSpPr>
+          <p:cNvPr id="120" name="Google Shape;120;p22"/>
+          <p:cNvSpPr txBox="1">
+            <a:spLocks noGrp="1"/>
+          </p:cNvSpPr>
+          <p:nvPr>
+            <p:ph type="ctrTitle"/>
+          </p:nvPr>
+        </p:nvSpPr>
+        <p:spPr>
+          <a:xfrm>
+            <a:off x="376700" y="-67600"/>
+            <a:ext cx="8520600" cy="960600"/>
+          </a:xfrm>
+          <a:prstGeom prst="rect">
+            <a:avLst/>
+          </a:prstGeom>
+        </p:spPr>
+        <p:txBody>
+          <a:bodyPr spcFirstLastPara="1" wrap="square" lIns="91425" tIns="91425" rIns="91425" bIns="91425" anchor="b" anchorCtr="0">
+            <a:normAutofit/>
+          </a:bodyPr>
+          <a:lstStyle/>
+          <a:p>
+            <a:pPr marL="0" lvl="0" indent="0" algn="ctr" rtl="0">
+              <a:spcBef>
+                <a:spcPts val="0"/>
+              </a:spcBef>
+              <a:spcAft>
+                <a:spcPts val="0"/>
+              </a:spcAft>
+              <a:buNone/>
+            </a:pPr>
+            <a:r>
+              <a:rPr lang="en"/>
+              <a:t>Data Analysis</a:t>
+            </a:r>
+            <a:endParaRPr/>
+          </a:p>
+        </p:txBody>
+      </p:sp>
+      <p:sp>
+        <p:nvSpPr>
+          <p:cNvPr id="121" name="Google Shape;121;p22"/>
+          <p:cNvSpPr txBox="1">
+            <a:spLocks noGrp="1"/>
+          </p:cNvSpPr>
+          <p:nvPr>
+            <p:ph type="subTitle" idx="1"/>
+          </p:nvPr>
+        </p:nvSpPr>
+        <p:spPr>
+          <a:xfrm>
+            <a:off x="0" y="992150"/>
+            <a:ext cx="8520600" cy="792600"/>
+          </a:xfrm>
+          <a:prstGeom prst="rect">
+            <a:avLst/>
+          </a:prstGeom>
+        </p:spPr>
+        <p:txBody>
+          <a:bodyPr spcFirstLastPara="1" wrap="square" lIns="91425" tIns="91425" rIns="91425" bIns="91425" anchor="t" anchorCtr="0">
+            <a:normAutofit/>
+          </a:bodyPr>
+          <a:lstStyle/>
+          <a:p>
+            <a:pPr marL="457200" lvl="0" indent="0" algn="l" rtl="0">
+              <a:lnSpc>
+                <a:spcPct val="115000"/>
+              </a:lnSpc>
+              <a:spcBef>
+                <a:spcPts val="0"/>
+              </a:spcBef>
+              <a:spcAft>
+                <a:spcPts val="1200"/>
+              </a:spcAft>
+              <a:buNone/>
+            </a:pPr>
+            <a:r>
+              <a:rPr lang="en-CA" sz="1900" dirty="0">
+                <a:solidFill>
+                  <a:srgbClr val="24292F"/>
+                </a:solidFill>
+              </a:rPr>
+              <a:t>Fraud not reported ML DTC model vs. ML RFC model</a:t>
+            </a:r>
+          </a:p>
+        </p:txBody>
+      </p:sp>
+      <p:cxnSp>
+        <p:nvCxnSpPr>
+          <p:cNvPr id="2" name="Google Shape;69;p15">
+            <a:extLst>
+              <a:ext uri="{FF2B5EF4-FFF2-40B4-BE49-F238E27FC236}">
+                <a16:creationId xmlns:a16="http://schemas.microsoft.com/office/drawing/2014/main" id="{BBEB642E-60EE-3A62-005A-A7F08EF7E283}"/>
+              </a:ext>
+            </a:extLst>
+          </p:cNvPr>
+          <p:cNvCxnSpPr>
+            <a:cxnSpLocks/>
+          </p:cNvCxnSpPr>
+          <p:nvPr/>
+        </p:nvCxnSpPr>
+        <p:spPr>
+          <a:xfrm>
+            <a:off x="3117273" y="815634"/>
+            <a:ext cx="3041072" cy="0"/>
+          </a:xfrm>
+          <a:prstGeom prst="straightConnector1">
+            <a:avLst/>
+          </a:prstGeom>
+          <a:noFill/>
+          <a:ln w="9525" cap="flat" cmpd="sng">
+            <a:solidFill>
+              <a:schemeClr val="dk2"/>
+            </a:solidFill>
+            <a:prstDash val="solid"/>
+            <a:round/>
+            <a:headEnd type="none" w="med" len="med"/>
+            <a:tailEnd type="none" w="med" len="med"/>
+          </a:ln>
+        </p:spPr>
+      </p:cxnSp>
+      <p:pic>
+        <p:nvPicPr>
+          <p:cNvPr id="4" name="Picture 3">
+            <a:extLst>
+              <a:ext uri="{FF2B5EF4-FFF2-40B4-BE49-F238E27FC236}">
+                <a16:creationId xmlns:a16="http://schemas.microsoft.com/office/drawing/2014/main" id="{D6C5F312-17C5-7205-D9CA-5CF397AF95AE}"/>
+              </a:ext>
+            </a:extLst>
+          </p:cNvPr>
+          <p:cNvPicPr>
+            <a:picLocks noChangeAspect="1"/>
+          </p:cNvPicPr>
+          <p:nvPr/>
+        </p:nvPicPr>
+        <p:blipFill>
+          <a:blip r:embed="rId3"/>
+          <a:stretch>
+            <a:fillRect/>
+          </a:stretch>
+        </p:blipFill>
+        <p:spPr>
+          <a:xfrm>
+            <a:off x="756356" y="1610613"/>
+            <a:ext cx="5990272" cy="3223465"/>
+          </a:xfrm>
+          <a:prstGeom prst="rect">
+            <a:avLst/>
+          </a:prstGeom>
+        </p:spPr>
+      </p:pic>
+    </p:spTree>
+    <p:extLst>
+      <p:ext uri="{BB962C8B-B14F-4D97-AF65-F5344CB8AC3E}">
+        <p14:creationId xmlns:p14="http://schemas.microsoft.com/office/powerpoint/2010/main" val="2937963944"/>
+      </p:ext>
+    </p:extLst>
+  </p:cSld>
+  <p:clrMapOvr>
+    <a:masterClrMapping/>
+  </p:clrMapOvr>
+</p:sld>
+</file>
+
+<file path=ppt/slides/slide13.xml><?xml version="1.0" encoding="utf-8"?>
+<p:sld xmlns:a="http://schemas.openxmlformats.org/drawingml/2006/main" xmlns:r="http://schemas.openxmlformats.org/officeDocument/2006/relationships" xmlns:p="http://schemas.openxmlformats.org/presentationml/2006/main">
+  <p:cSld>
+    <p:spTree>
+      <p:nvGrpSpPr>
+        <p:cNvPr id="1" name="Shape 119"/>
+        <p:cNvGrpSpPr/>
+        <p:nvPr/>
+      </p:nvGrpSpPr>
+      <p:grpSpPr>
+        <a:xfrm>
+          <a:off x="0" y="0"/>
+          <a:ext cx="0" cy="0"/>
+          <a:chOff x="0" y="0"/>
+          <a:chExt cx="0" cy="0"/>
+        </a:xfrm>
+      </p:grpSpPr>
+      <p:sp>
+        <p:nvSpPr>
+          <p:cNvPr id="120" name="Google Shape;120;p22"/>
+          <p:cNvSpPr txBox="1">
+            <a:spLocks noGrp="1"/>
+          </p:cNvSpPr>
+          <p:nvPr>
+            <p:ph type="ctrTitle"/>
+          </p:nvPr>
+        </p:nvSpPr>
+        <p:spPr>
+          <a:xfrm>
+            <a:off x="376700" y="-67600"/>
+            <a:ext cx="8520600" cy="960600"/>
+          </a:xfrm>
+          <a:prstGeom prst="rect">
+            <a:avLst/>
+          </a:prstGeom>
+        </p:spPr>
+        <p:txBody>
+          <a:bodyPr spcFirstLastPara="1" wrap="square" lIns="91425" tIns="91425" rIns="91425" bIns="91425" anchor="b" anchorCtr="0">
+            <a:normAutofit/>
+          </a:bodyPr>
+          <a:lstStyle/>
+          <a:p>
+            <a:pPr marL="0" lvl="0" indent="0" algn="ctr" rtl="0">
+              <a:spcBef>
+                <a:spcPts val="0"/>
+              </a:spcBef>
+              <a:spcAft>
+                <a:spcPts val="0"/>
+              </a:spcAft>
+              <a:buNone/>
+            </a:pPr>
+            <a:r>
+              <a:rPr lang="en"/>
+              <a:t>Data Analysis</a:t>
+            </a:r>
+            <a:endParaRPr/>
+          </a:p>
+        </p:txBody>
+      </p:sp>
+      <p:sp>
+        <p:nvSpPr>
+          <p:cNvPr id="121" name="Google Shape;121;p22"/>
+          <p:cNvSpPr txBox="1">
+            <a:spLocks noGrp="1"/>
+          </p:cNvSpPr>
+          <p:nvPr>
+            <p:ph type="subTitle" idx="1"/>
+          </p:nvPr>
+        </p:nvSpPr>
+        <p:spPr>
+          <a:xfrm>
+            <a:off x="0" y="992150"/>
+            <a:ext cx="8520600" cy="792600"/>
+          </a:xfrm>
+          <a:prstGeom prst="rect">
+            <a:avLst/>
+          </a:prstGeom>
+        </p:spPr>
+        <p:txBody>
+          <a:bodyPr spcFirstLastPara="1" wrap="square" lIns="91425" tIns="91425" rIns="91425" bIns="91425" anchor="t" anchorCtr="0">
+            <a:normAutofit/>
+          </a:bodyPr>
+          <a:lstStyle/>
+          <a:p>
+            <a:pPr marL="457200" lvl="0" indent="0" algn="l" rtl="0">
+              <a:lnSpc>
+                <a:spcPct val="115000"/>
+              </a:lnSpc>
+              <a:spcBef>
+                <a:spcPts val="0"/>
+              </a:spcBef>
+              <a:spcAft>
+                <a:spcPts val="1200"/>
+              </a:spcAft>
+              <a:buNone/>
+            </a:pPr>
+            <a:r>
+              <a:rPr lang="en-CA" sz="1900" dirty="0">
+                <a:solidFill>
+                  <a:srgbClr val="24292F"/>
+                </a:solidFill>
+              </a:rPr>
+              <a:t>Accuracy ML DTC model vs. ML RFC model</a:t>
+            </a:r>
+          </a:p>
+        </p:txBody>
+      </p:sp>
+      <p:cxnSp>
+        <p:nvCxnSpPr>
+          <p:cNvPr id="2" name="Google Shape;69;p15">
+            <a:extLst>
+              <a:ext uri="{FF2B5EF4-FFF2-40B4-BE49-F238E27FC236}">
+                <a16:creationId xmlns:a16="http://schemas.microsoft.com/office/drawing/2014/main" id="{BBEB642E-60EE-3A62-005A-A7F08EF7E283}"/>
+              </a:ext>
+            </a:extLst>
+          </p:cNvPr>
+          <p:cNvCxnSpPr>
+            <a:cxnSpLocks/>
+          </p:cNvCxnSpPr>
+          <p:nvPr/>
+        </p:nvCxnSpPr>
+        <p:spPr>
+          <a:xfrm>
+            <a:off x="3117273" y="815634"/>
+            <a:ext cx="3041072" cy="0"/>
+          </a:xfrm>
+          <a:prstGeom prst="straightConnector1">
+            <a:avLst/>
+          </a:prstGeom>
+          <a:noFill/>
+          <a:ln w="9525" cap="flat" cmpd="sng">
+            <a:solidFill>
+              <a:schemeClr val="dk2"/>
+            </a:solidFill>
+            <a:prstDash val="solid"/>
+            <a:round/>
+            <a:headEnd type="none" w="med" len="med"/>
+            <a:tailEnd type="none" w="med" len="med"/>
+          </a:ln>
+        </p:spPr>
+      </p:cxnSp>
+      <p:pic>
+        <p:nvPicPr>
+          <p:cNvPr id="4" name="Picture 3">
+            <a:extLst>
+              <a:ext uri="{FF2B5EF4-FFF2-40B4-BE49-F238E27FC236}">
+                <a16:creationId xmlns:a16="http://schemas.microsoft.com/office/drawing/2014/main" id="{028902DC-C178-8E4F-4B8E-CA8A70AD0130}"/>
+              </a:ext>
+            </a:extLst>
+          </p:cNvPr>
+          <p:cNvPicPr>
+            <a:picLocks noChangeAspect="1"/>
+          </p:cNvPicPr>
+          <p:nvPr/>
+        </p:nvPicPr>
+        <p:blipFill>
+          <a:blip r:embed="rId3"/>
+          <a:stretch>
+            <a:fillRect/>
+          </a:stretch>
+        </p:blipFill>
+        <p:spPr>
+          <a:xfrm>
+            <a:off x="1049867" y="1510037"/>
+            <a:ext cx="5995098" cy="3509325"/>
+          </a:xfrm>
+          <a:prstGeom prst="rect">
+            <a:avLst/>
+          </a:prstGeom>
+        </p:spPr>
+      </p:pic>
+    </p:spTree>
+    <p:extLst>
+      <p:ext uri="{BB962C8B-B14F-4D97-AF65-F5344CB8AC3E}">
+        <p14:creationId xmlns:p14="http://schemas.microsoft.com/office/powerpoint/2010/main" val="2159887709"/>
+      </p:ext>
+    </p:extLst>
+  </p:cSld>
+  <p:clrMapOvr>
+    <a:masterClrMapping/>
+  </p:clrMapOvr>
+</p:sld>
+</file>
+
+<file path=ppt/slides/slide14.xml><?xml version="1.0" encoding="utf-8"?>
 <p:sld xmlns:a="http://schemas.openxmlformats.org/drawingml/2006/main" xmlns:r="http://schemas.openxmlformats.org/officeDocument/2006/relationships" xmlns:p="http://schemas.openxmlformats.org/presentationml/2006/main">
   <p:cSld>
     <p:spTree>
@@ -8486,7 +9276,7 @@
             </a:pPr>
             <a:r>
               <a:rPr lang="en" dirty="0"/>
-              <a:t>Dashboard</a:t>
+              <a:t>Technologies &amp; Algorithms</a:t>
             </a:r>
             <a:endParaRPr dirty="0"/>
           </a:p>
@@ -8517,13 +9307,15 @@
           </a:bodyPr>
           <a:lstStyle/>
           <a:p>
-            <a:pPr lvl="0" algn="l" rtl="0">
+            <a:pPr marL="342900" lvl="0" indent="-342900" algn="l" rtl="0">
               <a:spcBef>
                 <a:spcPts val="0"/>
               </a:spcBef>
               <a:spcAft>
                 <a:spcPts val="0"/>
               </a:spcAft>
+              <a:buFont typeface="Arial" panose="020B0604020202020204" pitchFamily="34" charset="0"/>
+              <a:buChar char="•"/>
             </a:pPr>
             <a:r>
               <a:rPr lang="en" sz="2000" dirty="0">
@@ -8531,31 +9323,8 @@
                   <a:schemeClr val="tx1"/>
                 </a:solidFill>
               </a:rPr>
-              <a:t>Tableau will be used to visualize the </a:t>
-            </a:r>
-            <a:r>
-              <a:rPr lang="en" sz="2000">
-                <a:solidFill>
-                  <a:schemeClr val="tx1"/>
-                </a:solidFill>
-              </a:rPr>
-              <a:t>following:</a:t>
-            </a:r>
-          </a:p>
-          <a:p>
-            <a:pPr lvl="0" algn="l" rtl="0">
-              <a:spcBef>
-                <a:spcPts val="0"/>
-              </a:spcBef>
-              <a:spcAft>
-                <a:spcPts val="0"/>
-              </a:spcAft>
-            </a:pPr>
-            <a:endParaRPr lang="en" sz="2000" dirty="0">
-              <a:solidFill>
-                <a:schemeClr val="tx1"/>
-              </a:solidFill>
-            </a:endParaRPr>
+              <a:t>Python</a:t>
+            </a:r>
           </a:p>
           <a:p>
             <a:pPr marL="342900" lvl="0" indent="-342900" algn="l" rtl="0">
@@ -8574,7 +9343,7 @@
                   <a:schemeClr val="tx1"/>
                 </a:solidFill>
               </a:rPr>
-              <a:t>Fraud reported by gender</a:t>
+              <a:t>Pandas and other libraries</a:t>
             </a:r>
           </a:p>
           <a:p>
@@ -8594,7 +9363,7 @@
                   <a:schemeClr val="tx1"/>
                 </a:solidFill>
               </a:rPr>
-              <a:t>Frauds by state</a:t>
+              <a:t>Jupyter notebook</a:t>
             </a:r>
           </a:p>
           <a:p>
@@ -8614,7 +9383,95 @@
                   <a:schemeClr val="tx1"/>
                 </a:solidFill>
               </a:rPr>
-              <a:t>Fraud reported by age group</a:t>
+              <a:t>Postgres database</a:t>
+            </a:r>
+          </a:p>
+          <a:p>
+            <a:pPr marL="342900" lvl="0" indent="-342900" algn="l" rtl="0">
+              <a:spcBef>
+                <a:spcPts val="0"/>
+              </a:spcBef>
+              <a:spcAft>
+                <a:spcPts val="0"/>
+              </a:spcAft>
+              <a:buFont typeface="Arial" panose="020B0604020202020204" pitchFamily="34" charset="0"/>
+              <a:buChar char="•"/>
+            </a:pPr>
+            <a:r>
+              <a:rPr lang="en-CA" sz="2000" dirty="0">
+                <a:solidFill>
+                  <a:schemeClr val="tx1"/>
+                </a:solidFill>
+              </a:rPr>
+              <a:t>Decision Tree Classifier Model</a:t>
+            </a:r>
+          </a:p>
+          <a:p>
+            <a:pPr marL="342900" lvl="0" indent="-342900" algn="l" rtl="0">
+              <a:spcBef>
+                <a:spcPts val="0"/>
+              </a:spcBef>
+              <a:spcAft>
+                <a:spcPts val="0"/>
+              </a:spcAft>
+              <a:buFont typeface="Arial" panose="020B0604020202020204" pitchFamily="34" charset="0"/>
+              <a:buChar char="•"/>
+            </a:pPr>
+            <a:r>
+              <a:rPr lang="en-CA" sz="2000" dirty="0">
+                <a:solidFill>
+                  <a:schemeClr val="tx1"/>
+                </a:solidFill>
+              </a:rPr>
+              <a:t>Random Forest Classifier Model</a:t>
+            </a:r>
+          </a:p>
+          <a:p>
+            <a:pPr marL="342900" lvl="0" indent="-342900" algn="l" rtl="0">
+              <a:spcBef>
+                <a:spcPts val="0"/>
+              </a:spcBef>
+              <a:spcAft>
+                <a:spcPts val="0"/>
+              </a:spcAft>
+              <a:buFont typeface="Arial" panose="020B0604020202020204" pitchFamily="34" charset="0"/>
+              <a:buChar char="•"/>
+            </a:pPr>
+            <a:r>
+              <a:rPr lang="en-CA" sz="2000" dirty="0">
+                <a:solidFill>
+                  <a:schemeClr val="tx1"/>
+                </a:solidFill>
+              </a:rPr>
+              <a:t>Tableau and Google slides</a:t>
+            </a:r>
+          </a:p>
+          <a:p>
+            <a:pPr marL="342900" lvl="0" indent="-342900" algn="l" rtl="0">
+              <a:spcBef>
+                <a:spcPts val="0"/>
+              </a:spcBef>
+              <a:spcAft>
+                <a:spcPts val="0"/>
+              </a:spcAft>
+              <a:buFont typeface="Arial" panose="020B0604020202020204" pitchFamily="34" charset="0"/>
+              <a:buChar char="•"/>
+            </a:pPr>
+            <a:r>
+              <a:rPr lang="en-CA" sz="2000" dirty="0" err="1">
+                <a:solidFill>
+                  <a:schemeClr val="tx1"/>
+                </a:solidFill>
+              </a:rPr>
+              <a:t>Github</a:t>
+            </a:r>
+            <a:r>
+              <a:rPr lang="en-CA" sz="2000" dirty="0">
+                <a:solidFill>
+                  <a:schemeClr val="tx1"/>
+                </a:solidFill>
+              </a:rPr>
+              <a:t>, Zoom and Slack</a:t>
             </a:r>
           </a:p>
           <a:p>
@@ -8652,8 +9509,8 @@
         </p:nvCxnSpPr>
         <p:spPr>
           <a:xfrm>
-            <a:off x="3429000" y="1466798"/>
-            <a:ext cx="2334491" cy="0"/>
+            <a:off x="1676400" y="1681543"/>
+            <a:ext cx="5881255" cy="0"/>
           </a:xfrm>
           <a:prstGeom prst="straightConnector1">
             <a:avLst/>
@@ -8673,7 +9530,553 @@
     </p:spTree>
     <p:extLst>
       <p:ext uri="{BB962C8B-B14F-4D97-AF65-F5344CB8AC3E}">
+        <p14:creationId xmlns:p14="http://schemas.microsoft.com/office/powerpoint/2010/main" val="3297345817"/>
+      </p:ext>
+    </p:extLst>
+  </p:cSld>
+  <p:clrMapOvr>
+    <a:masterClrMapping/>
+  </p:clrMapOvr>
+</p:sld>
+</file>
+
+<file path=ppt/slides/slide15.xml><?xml version="1.0" encoding="utf-8"?>
+<p:sld xmlns:a="http://schemas.openxmlformats.org/drawingml/2006/main" xmlns:r="http://schemas.openxmlformats.org/officeDocument/2006/relationships" xmlns:p="http://schemas.openxmlformats.org/presentationml/2006/main">
+  <p:cSld>
+    <p:spTree>
+      <p:nvGrpSpPr>
+        <p:cNvPr id="1" name="Shape 80"/>
+        <p:cNvGrpSpPr/>
+        <p:nvPr/>
+      </p:nvGrpSpPr>
+      <p:grpSpPr>
+        <a:xfrm>
+          <a:off x="0" y="0"/>
+          <a:ext cx="0" cy="0"/>
+          <a:chOff x="0" y="0"/>
+          <a:chExt cx="0" cy="0"/>
+        </a:xfrm>
+      </p:grpSpPr>
+      <p:sp>
+        <p:nvSpPr>
+          <p:cNvPr id="81" name="Google Shape;81;p17"/>
+          <p:cNvSpPr txBox="1">
+            <a:spLocks noGrp="1"/>
+          </p:cNvSpPr>
+          <p:nvPr>
+            <p:ph type="ctrTitle"/>
+          </p:nvPr>
+        </p:nvSpPr>
+        <p:spPr>
+          <a:xfrm>
+            <a:off x="363925" y="183225"/>
+            <a:ext cx="8520600" cy="1362300"/>
+          </a:xfrm>
+          <a:prstGeom prst="rect">
+            <a:avLst/>
+          </a:prstGeom>
+        </p:spPr>
+        <p:txBody>
+          <a:bodyPr spcFirstLastPara="1" wrap="square" lIns="91425" tIns="91425" rIns="91425" bIns="91425" anchor="b" anchorCtr="0">
+            <a:normAutofit/>
+          </a:bodyPr>
+          <a:lstStyle/>
+          <a:p>
+            <a:pPr marL="0" lvl="0" indent="0" algn="ctr" rtl="0">
+              <a:spcBef>
+                <a:spcPts val="0"/>
+              </a:spcBef>
+              <a:spcAft>
+                <a:spcPts val="0"/>
+              </a:spcAft>
+              <a:buNone/>
+            </a:pPr>
+            <a:r>
+              <a:rPr lang="en" dirty="0"/>
+              <a:t>Dashboard</a:t>
+            </a:r>
+            <a:endParaRPr dirty="0"/>
+          </a:p>
+        </p:txBody>
+      </p:sp>
+      <p:sp>
+        <p:nvSpPr>
+          <p:cNvPr id="82" name="Google Shape;82;p17"/>
+          <p:cNvSpPr txBox="1">
+            <a:spLocks noGrp="1"/>
+          </p:cNvSpPr>
+          <p:nvPr>
+            <p:ph type="subTitle" idx="1"/>
+          </p:nvPr>
+        </p:nvSpPr>
+        <p:spPr>
+          <a:xfrm>
+            <a:off x="1587500" y="1925783"/>
+            <a:ext cx="5825202" cy="2611580"/>
+          </a:xfrm>
+          <a:prstGeom prst="rect">
+            <a:avLst/>
+          </a:prstGeom>
+        </p:spPr>
+        <p:txBody>
+          <a:bodyPr spcFirstLastPara="1" wrap="square" lIns="91425" tIns="91425" rIns="91425" bIns="91425" anchor="t" anchorCtr="0">
+            <a:noAutofit/>
+          </a:bodyPr>
+          <a:lstStyle/>
+          <a:p>
+            <a:pPr marL="342900" lvl="0" indent="-342900" algn="l" rtl="0">
+              <a:spcBef>
+                <a:spcPts val="0"/>
+              </a:spcBef>
+              <a:spcAft>
+                <a:spcPts val="0"/>
+              </a:spcAft>
+              <a:buFont typeface="Arial" panose="020B0604020202020204" pitchFamily="34" charset="0"/>
+              <a:buChar char="•"/>
+            </a:pPr>
+            <a:r>
+              <a:rPr lang="en-CA" sz="2000" dirty="0">
+                <a:solidFill>
+                  <a:schemeClr val="tx1"/>
+                </a:solidFill>
+                <a:hlinkClick r:id="rId3"/>
+              </a:rPr>
+              <a:t>Tableau Dashboard</a:t>
+            </a:r>
+            <a:endParaRPr lang="en-CA" sz="2000" dirty="0">
+              <a:solidFill>
+                <a:schemeClr val="tx1"/>
+              </a:solidFill>
+            </a:endParaRPr>
+          </a:p>
+          <a:p>
+            <a:pPr marL="342900" lvl="0" indent="-342900" algn="l" rtl="0">
+              <a:spcBef>
+                <a:spcPts val="0"/>
+              </a:spcBef>
+              <a:spcAft>
+                <a:spcPts val="0"/>
+              </a:spcAft>
+              <a:buFont typeface="Arial" panose="020B0604020202020204" pitchFamily="34" charset="0"/>
+              <a:buChar char="•"/>
+            </a:pPr>
+            <a:endParaRPr sz="2000" dirty="0">
+              <a:solidFill>
+                <a:schemeClr val="tx1"/>
+              </a:solidFill>
+            </a:endParaRPr>
+          </a:p>
+        </p:txBody>
+      </p:sp>
+      <p:cxnSp>
+        <p:nvCxnSpPr>
+          <p:cNvPr id="2" name="Google Shape;69;p15">
+            <a:extLst>
+              <a:ext uri="{FF2B5EF4-FFF2-40B4-BE49-F238E27FC236}">
+                <a16:creationId xmlns:a16="http://schemas.microsoft.com/office/drawing/2014/main" id="{C2D4C20F-5D82-5160-BEA9-8AA5952D33AD}"/>
+              </a:ext>
+            </a:extLst>
+          </p:cNvPr>
+          <p:cNvCxnSpPr>
+            <a:cxnSpLocks/>
+          </p:cNvCxnSpPr>
+          <p:nvPr/>
+        </p:nvCxnSpPr>
+        <p:spPr>
+          <a:xfrm>
+            <a:off x="3429000" y="1466798"/>
+            <a:ext cx="2334491" cy="0"/>
+          </a:xfrm>
+          <a:prstGeom prst="straightConnector1">
+            <a:avLst/>
+          </a:prstGeom>
+          <a:noFill/>
+          <a:ln w="9525" cap="flat" cmpd="sng">
+            <a:solidFill>
+              <a:schemeClr val="dk2"/>
+            </a:solidFill>
+            <a:prstDash val="solid"/>
+            <a:round/>
+            <a:headEnd type="none" w="med" len="med"/>
+            <a:tailEnd type="none" w="med" len="med"/>
+          </a:ln>
+        </p:spPr>
+      </p:cxnSp>
+    </p:spTree>
+    <p:extLst>
+      <p:ext uri="{BB962C8B-B14F-4D97-AF65-F5344CB8AC3E}">
         <p14:creationId xmlns:p14="http://schemas.microsoft.com/office/powerpoint/2010/main" val="1254563354"/>
+      </p:ext>
+    </p:extLst>
+  </p:cSld>
+  <p:clrMapOvr>
+    <a:masterClrMapping/>
+  </p:clrMapOvr>
+</p:sld>
+</file>
+
+<file path=ppt/slides/slide16.xml><?xml version="1.0" encoding="utf-8"?>
+<p:sld xmlns:a="http://schemas.openxmlformats.org/drawingml/2006/main" xmlns:r="http://schemas.openxmlformats.org/officeDocument/2006/relationships" xmlns:p="http://schemas.openxmlformats.org/presentationml/2006/main">
+  <p:cSld>
+    <p:spTree>
+      <p:nvGrpSpPr>
+        <p:cNvPr id="1" name="Shape 80"/>
+        <p:cNvGrpSpPr/>
+        <p:nvPr/>
+      </p:nvGrpSpPr>
+      <p:grpSpPr>
+        <a:xfrm>
+          <a:off x="0" y="0"/>
+          <a:ext cx="0" cy="0"/>
+          <a:chOff x="0" y="0"/>
+          <a:chExt cx="0" cy="0"/>
+        </a:xfrm>
+      </p:grpSpPr>
+      <p:sp>
+        <p:nvSpPr>
+          <p:cNvPr id="81" name="Google Shape;81;p17"/>
+          <p:cNvSpPr txBox="1">
+            <a:spLocks noGrp="1"/>
+          </p:cNvSpPr>
+          <p:nvPr>
+            <p:ph type="ctrTitle"/>
+          </p:nvPr>
+        </p:nvSpPr>
+        <p:spPr>
+          <a:xfrm>
+            <a:off x="363925" y="183225"/>
+            <a:ext cx="8520600" cy="1362300"/>
+          </a:xfrm>
+          <a:prstGeom prst="rect">
+            <a:avLst/>
+          </a:prstGeom>
+        </p:spPr>
+        <p:txBody>
+          <a:bodyPr spcFirstLastPara="1" wrap="square" lIns="91425" tIns="91425" rIns="91425" bIns="91425" anchor="b" anchorCtr="0">
+            <a:normAutofit/>
+          </a:bodyPr>
+          <a:lstStyle/>
+          <a:p>
+            <a:pPr marL="0" lvl="0" indent="0" algn="ctr" rtl="0">
+              <a:spcBef>
+                <a:spcPts val="0"/>
+              </a:spcBef>
+              <a:spcAft>
+                <a:spcPts val="0"/>
+              </a:spcAft>
+              <a:buNone/>
+            </a:pPr>
+            <a:r>
+              <a:rPr lang="en" dirty="0"/>
+              <a:t>Future Enhancements</a:t>
+            </a:r>
+            <a:endParaRPr dirty="0"/>
+          </a:p>
+        </p:txBody>
+      </p:sp>
+      <p:sp>
+        <p:nvSpPr>
+          <p:cNvPr id="82" name="Google Shape;82;p17"/>
+          <p:cNvSpPr txBox="1">
+            <a:spLocks noGrp="1"/>
+          </p:cNvSpPr>
+          <p:nvPr>
+            <p:ph type="subTitle" idx="1"/>
+          </p:nvPr>
+        </p:nvSpPr>
+        <p:spPr>
+          <a:xfrm>
+            <a:off x="1198100" y="1925783"/>
+            <a:ext cx="6506633" cy="2611580"/>
+          </a:xfrm>
+          <a:prstGeom prst="rect">
+            <a:avLst/>
+          </a:prstGeom>
+        </p:spPr>
+        <p:txBody>
+          <a:bodyPr spcFirstLastPara="1" wrap="square" lIns="91425" tIns="91425" rIns="91425" bIns="91425" anchor="t" anchorCtr="0">
+            <a:noAutofit/>
+          </a:bodyPr>
+          <a:lstStyle/>
+          <a:p>
+            <a:pPr marL="342900" lvl="0" indent="-342900" algn="l" rtl="0">
+              <a:spcBef>
+                <a:spcPts val="0"/>
+              </a:spcBef>
+              <a:spcAft>
+                <a:spcPts val="0"/>
+              </a:spcAft>
+              <a:buFont typeface="Arial" panose="020B0604020202020204" pitchFamily="34" charset="0"/>
+              <a:buChar char="•"/>
+            </a:pPr>
+            <a:r>
+              <a:rPr lang="en-CA" sz="2000" dirty="0">
+                <a:solidFill>
+                  <a:schemeClr val="tx1"/>
+                </a:solidFill>
+              </a:rPr>
+              <a:t>Fraudulent claims grouped by incident severity level.</a:t>
+            </a:r>
+          </a:p>
+          <a:p>
+            <a:pPr marL="342900" indent="-342900" algn="l">
+              <a:spcBef>
+                <a:spcPts val="0"/>
+              </a:spcBef>
+              <a:buFont typeface="Arial" panose="020B0604020202020204" pitchFamily="34" charset="0"/>
+              <a:buChar char="•"/>
+            </a:pPr>
+            <a:r>
+              <a:rPr lang="en-CA" sz="2000" dirty="0">
+                <a:solidFill>
+                  <a:schemeClr val="tx1"/>
+                </a:solidFill>
+              </a:rPr>
+              <a:t>Fraudulent claims grouped by education level.</a:t>
+            </a:r>
+          </a:p>
+          <a:p>
+            <a:pPr marL="342900" lvl="0" indent="-342900" algn="l" rtl="0">
+              <a:spcBef>
+                <a:spcPts val="0"/>
+              </a:spcBef>
+              <a:spcAft>
+                <a:spcPts val="0"/>
+              </a:spcAft>
+              <a:buFont typeface="Arial" panose="020B0604020202020204" pitchFamily="34" charset="0"/>
+              <a:buChar char="•"/>
+            </a:pPr>
+            <a:r>
+              <a:rPr lang="en-CA" sz="2000" dirty="0">
+                <a:solidFill>
+                  <a:schemeClr val="tx1"/>
+                </a:solidFill>
+              </a:rPr>
+              <a:t>To include more datasets to increase the accuracy of ML model.</a:t>
+            </a:r>
+          </a:p>
+          <a:p>
+            <a:pPr marL="342900" lvl="0" indent="-342900" algn="l" rtl="0">
+              <a:spcBef>
+                <a:spcPts val="0"/>
+              </a:spcBef>
+              <a:spcAft>
+                <a:spcPts val="0"/>
+              </a:spcAft>
+              <a:buFont typeface="Arial" panose="020B0604020202020204" pitchFamily="34" charset="0"/>
+              <a:buChar char="•"/>
+            </a:pPr>
+            <a:r>
+              <a:rPr lang="en-CA" sz="2000" dirty="0">
+                <a:solidFill>
+                  <a:schemeClr val="tx1"/>
+                </a:solidFill>
+              </a:rPr>
+              <a:t>Current ML model can be refactored to incorporate different insurance analysis e.g. property and health claims</a:t>
+            </a:r>
+          </a:p>
+          <a:p>
+            <a:pPr marL="342900" lvl="0" indent="-342900" algn="l" rtl="0">
+              <a:spcBef>
+                <a:spcPts val="0"/>
+              </a:spcBef>
+              <a:spcAft>
+                <a:spcPts val="0"/>
+              </a:spcAft>
+              <a:buFont typeface="Arial" panose="020B0604020202020204" pitchFamily="34" charset="0"/>
+              <a:buChar char="•"/>
+            </a:pPr>
+            <a:endParaRPr lang="en-CA" sz="2000" dirty="0">
+              <a:solidFill>
+                <a:schemeClr val="tx1"/>
+              </a:solidFill>
+            </a:endParaRPr>
+          </a:p>
+          <a:p>
+            <a:pPr lvl="0" algn="l" rtl="0">
+              <a:spcBef>
+                <a:spcPts val="0"/>
+              </a:spcBef>
+              <a:spcAft>
+                <a:spcPts val="0"/>
+              </a:spcAft>
+            </a:pPr>
+            <a:endParaRPr sz="2000" dirty="0">
+              <a:solidFill>
+                <a:schemeClr val="tx1"/>
+              </a:solidFill>
+            </a:endParaRPr>
+          </a:p>
+        </p:txBody>
+      </p:sp>
+      <p:cxnSp>
+        <p:nvCxnSpPr>
+          <p:cNvPr id="2" name="Google Shape;69;p15">
+            <a:extLst>
+              <a:ext uri="{FF2B5EF4-FFF2-40B4-BE49-F238E27FC236}">
+                <a16:creationId xmlns:a16="http://schemas.microsoft.com/office/drawing/2014/main" id="{C2D4C20F-5D82-5160-BEA9-8AA5952D33AD}"/>
+              </a:ext>
+            </a:extLst>
+          </p:cNvPr>
+          <p:cNvCxnSpPr>
+            <a:cxnSpLocks/>
+          </p:cNvCxnSpPr>
+          <p:nvPr/>
+        </p:nvCxnSpPr>
+        <p:spPr>
+          <a:xfrm>
+            <a:off x="1490133" y="1466798"/>
+            <a:ext cx="5922569" cy="0"/>
+          </a:xfrm>
+          <a:prstGeom prst="straightConnector1">
+            <a:avLst/>
+          </a:prstGeom>
+          <a:noFill/>
+          <a:ln w="9525" cap="flat" cmpd="sng">
+            <a:solidFill>
+              <a:schemeClr val="dk2"/>
+            </a:solidFill>
+            <a:prstDash val="solid"/>
+            <a:round/>
+            <a:headEnd type="none" w="med" len="med"/>
+            <a:tailEnd type="none" w="med" len="med"/>
+          </a:ln>
+        </p:spPr>
+      </p:cxnSp>
+    </p:spTree>
+    <p:extLst>
+      <p:ext uri="{BB962C8B-B14F-4D97-AF65-F5344CB8AC3E}">
+        <p14:creationId xmlns:p14="http://schemas.microsoft.com/office/powerpoint/2010/main" val="2294015305"/>
+      </p:ext>
+    </p:extLst>
+  </p:cSld>
+  <p:clrMapOvr>
+    <a:masterClrMapping/>
+  </p:clrMapOvr>
+</p:sld>
+</file>
+
+<file path=ppt/slides/slide17.xml><?xml version="1.0" encoding="utf-8"?>
+<p:sld xmlns:a="http://schemas.openxmlformats.org/drawingml/2006/main" xmlns:r="http://schemas.openxmlformats.org/officeDocument/2006/relationships" xmlns:p="http://schemas.openxmlformats.org/presentationml/2006/main">
+  <p:cSld>
+    <p:spTree>
+      <p:nvGrpSpPr>
+        <p:cNvPr id="1" name="Shape 80"/>
+        <p:cNvGrpSpPr/>
+        <p:nvPr/>
+      </p:nvGrpSpPr>
+      <p:grpSpPr>
+        <a:xfrm>
+          <a:off x="0" y="0"/>
+          <a:ext cx="0" cy="0"/>
+          <a:chOff x="0" y="0"/>
+          <a:chExt cx="0" cy="0"/>
+        </a:xfrm>
+      </p:grpSpPr>
+      <p:sp>
+        <p:nvSpPr>
+          <p:cNvPr id="81" name="Google Shape;81;p17"/>
+          <p:cNvSpPr txBox="1">
+            <a:spLocks noGrp="1"/>
+          </p:cNvSpPr>
+          <p:nvPr>
+            <p:ph type="ctrTitle"/>
+          </p:nvPr>
+        </p:nvSpPr>
+        <p:spPr>
+          <a:xfrm>
+            <a:off x="191116" y="1700005"/>
+            <a:ext cx="8520600" cy="1362300"/>
+          </a:xfrm>
+          <a:prstGeom prst="rect">
+            <a:avLst/>
+          </a:prstGeom>
+        </p:spPr>
+        <p:txBody>
+          <a:bodyPr spcFirstLastPara="1" wrap="square" lIns="91425" tIns="91425" rIns="91425" bIns="91425" anchor="b" anchorCtr="0">
+            <a:normAutofit/>
+          </a:bodyPr>
+          <a:lstStyle/>
+          <a:p>
+            <a:pPr marL="0" lvl="0" indent="0" algn="ctr" rtl="0">
+              <a:spcBef>
+                <a:spcPts val="0"/>
+              </a:spcBef>
+              <a:spcAft>
+                <a:spcPts val="0"/>
+              </a:spcAft>
+              <a:buNone/>
+            </a:pPr>
+            <a:r>
+              <a:rPr lang="en" sz="6600" dirty="0"/>
+              <a:t>Questions?</a:t>
+            </a:r>
+            <a:endParaRPr sz="6600" dirty="0"/>
+          </a:p>
+        </p:txBody>
+      </p:sp>
+      <p:sp>
+        <p:nvSpPr>
+          <p:cNvPr id="82" name="Google Shape;82;p17"/>
+          <p:cNvSpPr txBox="1">
+            <a:spLocks noGrp="1"/>
+          </p:cNvSpPr>
+          <p:nvPr>
+            <p:ph type="subTitle" idx="1"/>
+          </p:nvPr>
+        </p:nvSpPr>
+        <p:spPr>
+          <a:xfrm>
+            <a:off x="1198100" y="1925783"/>
+            <a:ext cx="6506633" cy="2611580"/>
+          </a:xfrm>
+          <a:prstGeom prst="rect">
+            <a:avLst/>
+          </a:prstGeom>
+        </p:spPr>
+        <p:txBody>
+          <a:bodyPr spcFirstLastPara="1" wrap="square" lIns="91425" tIns="91425" rIns="91425" bIns="91425" anchor="t" anchorCtr="0">
+            <a:noAutofit/>
+          </a:bodyPr>
+          <a:lstStyle/>
+          <a:p>
+            <a:pPr marL="342900" lvl="0" indent="-342900" algn="l" rtl="0">
+              <a:spcBef>
+                <a:spcPts val="0"/>
+              </a:spcBef>
+              <a:spcAft>
+                <a:spcPts val="0"/>
+              </a:spcAft>
+              <a:buFont typeface="Arial" panose="020B0604020202020204" pitchFamily="34" charset="0"/>
+              <a:buChar char="•"/>
+            </a:pPr>
+            <a:endParaRPr lang="en-CA" sz="2000" dirty="0">
+              <a:solidFill>
+                <a:schemeClr val="tx1"/>
+              </a:solidFill>
+            </a:endParaRPr>
+          </a:p>
+          <a:p>
+            <a:pPr lvl="0" algn="l" rtl="0">
+              <a:spcBef>
+                <a:spcPts val="0"/>
+              </a:spcBef>
+              <a:spcAft>
+                <a:spcPts val="0"/>
+              </a:spcAft>
+            </a:pPr>
+            <a:endParaRPr sz="2000" dirty="0">
+              <a:solidFill>
+                <a:schemeClr val="tx1"/>
+              </a:solidFill>
+            </a:endParaRPr>
+          </a:p>
+        </p:txBody>
+      </p:sp>
+    </p:spTree>
+    <p:extLst>
+      <p:ext uri="{BB962C8B-B14F-4D97-AF65-F5344CB8AC3E}">
+        <p14:creationId xmlns:p14="http://schemas.microsoft.com/office/powerpoint/2010/main" val="1509767443"/>
       </p:ext>
     </p:extLst>
   </p:cSld>
@@ -8751,7 +10154,7 @@
         <p:spPr>
           <a:xfrm>
             <a:off x="671918" y="963625"/>
-            <a:ext cx="4235700" cy="4431952"/>
+            <a:ext cx="4235700" cy="4893617"/>
           </a:xfrm>
           <a:prstGeom prst="rect">
             <a:avLst/>
@@ -8988,9 +10391,44 @@
               <a:buAutoNum type="arabicParenR"/>
             </a:pPr>
             <a:r>
-              <a:rPr lang="en-CA" sz="2000" dirty="0"/>
+              <a:rPr lang="en-CA" sz="2000" dirty="0">
+                <a:hlinkClick r:id="rId10" action="ppaction://hlinksldjump">
+                  <a:extLst>
+                    <a:ext uri="{A12FA001-AC4F-418D-AE19-62706E023703}">
+                      <ahyp:hlinkClr xmlns:ahyp="http://schemas.microsoft.com/office/drawing/2018/hyperlinkcolor" val="tx"/>
+                    </a:ext>
+                  </a:extLst>
+                </a:hlinkClick>
+              </a:rPr>
               <a:t>Dashboard</a:t>
             </a:r>
+            <a:endParaRPr lang="en-CA" sz="2000" dirty="0"/>
+          </a:p>
+          <a:p>
+            <a:pPr marL="457200" indent="-381000">
+              <a:lnSpc>
+                <a:spcPct val="150000"/>
+              </a:lnSpc>
+              <a:buClr>
+                <a:schemeClr val="dk1"/>
+              </a:buClr>
+              <a:buSzPts val="2400"/>
+              <a:buFontTx/>
+              <a:buAutoNum type="arabicParenR"/>
+            </a:pPr>
+            <a:r>
+              <a:rPr lang="en-CA" sz="2000" dirty="0">
+                <a:hlinkClick r:id="rId11" action="ppaction://hlinksldjump">
+                  <a:extLst>
+                    <a:ext uri="{A12FA001-AC4F-418D-AE19-62706E023703}">
+                      <ahyp:hlinkClr xmlns:ahyp="http://schemas.microsoft.com/office/drawing/2018/hyperlinkcolor" val="tx"/>
+                    </a:ext>
+                  </a:extLst>
+                </a:hlinkClick>
+              </a:rPr>
+              <a:t>Future Enhancements</a:t>
+            </a:r>
+            <a:endParaRPr lang="en-CA" sz="2000" dirty="0"/>
           </a:p>
           <a:p>
             <a:pPr marL="457200" lvl="0" indent="-381000" algn="l" rtl="0">
@@ -10363,14 +11801,14 @@
               <a:buNone/>
             </a:pPr>
             <a:r>
-              <a:rPr lang="en" sz="1900">
+              <a:rPr lang="en" sz="1900" dirty="0">
                 <a:solidFill>
                   <a:srgbClr val="24292F"/>
                 </a:solidFill>
               </a:rPr>
               <a:t>ML - Decision Tree Model</a:t>
             </a:r>
-            <a:endParaRPr sz="1900">
+            <a:endParaRPr sz="1900" dirty="0">
               <a:solidFill>
                 <a:srgbClr val="24292F"/>
               </a:solidFill>
@@ -10378,34 +11816,6 @@
           </a:p>
         </p:txBody>
       </p:sp>
-      <p:pic>
-        <p:nvPicPr>
-          <p:cNvPr id="115" name="Google Shape;115;p21"/>
-          <p:cNvPicPr preferRelativeResize="0"/>
-          <p:nvPr/>
-        </p:nvPicPr>
-        <p:blipFill>
-          <a:blip r:embed="rId3">
-            <a:alphaModFix/>
-          </a:blip>
-          <a:stretch>
-            <a:fillRect/>
-          </a:stretch>
-        </p:blipFill>
-        <p:spPr>
-          <a:xfrm>
-            <a:off x="452675" y="1571600"/>
-            <a:ext cx="5515875" cy="2721800"/>
-          </a:xfrm>
-          <a:prstGeom prst="rect">
-            <a:avLst/>
-          </a:prstGeom>
-          <a:noFill/>
-          <a:ln>
-            <a:noFill/>
-          </a:ln>
-        </p:spPr>
-      </p:pic>
       <p:cxnSp>
         <p:nvCxnSpPr>
           <p:cNvPr id="2" name="Google Shape;69;p15">
@@ -10440,6 +11850,36 @@
           </a:ln>
         </p:spPr>
       </p:cxnSp>
+      <p:pic>
+        <p:nvPicPr>
+          <p:cNvPr id="10" name="Picture 9" descr="Table&#10;&#10;Description automatically generated">
+            <a:extLst>
+              <a:ext uri="{FF2B5EF4-FFF2-40B4-BE49-F238E27FC236}">
+                <a16:creationId xmlns:a16="http://schemas.microsoft.com/office/drawing/2014/main" id="{8A93E0FB-22AF-3F59-FD03-34E080CE1F6E}"/>
+              </a:ext>
+            </a:extLst>
+          </p:cNvPr>
+          <p:cNvPicPr>
+            <a:picLocks noChangeAspect="1"/>
+          </p:cNvPicPr>
+          <p:nvPr/>
+        </p:nvPicPr>
+        <p:blipFill>
+          <a:blip r:embed="rId3"/>
+          <a:stretch>
+            <a:fillRect/>
+          </a:stretch>
+        </p:blipFill>
+        <p:spPr>
+          <a:xfrm>
+            <a:off x="1441401" y="1470578"/>
+            <a:ext cx="5361545" cy="2680772"/>
+          </a:xfrm>
+          <a:prstGeom prst="rect">
+            <a:avLst/>
+          </a:prstGeom>
+        </p:spPr>
+      </p:pic>
     </p:spTree>
   </p:cSld>
   <p:clrMapOvr>
